--- a/PastaDocumentos/Pitch Projeto.pptx
+++ b/PastaDocumentos/Pitch Projeto.pptx
@@ -104,6 +104,11 @@
       </a:defRPr>
     </a:lvl9pPr>
   </p:defaultTextStyle>
+  <p:extLst>
+    <p:ext uri="{EFAFB233-063F-42B5-8137-9DF3F51BA10A}">
+      <p15:sldGuideLst xmlns:p15="http://schemas.microsoft.com/office/powerpoint/2012/main"/>
+    </p:ext>
+  </p:extLst>
 </p:presentation>
 </file>
 
@@ -2740,9 +2745,39 @@
 <p:sldMaster xmlns:a="http://schemas.openxmlformats.org/drawingml/2006/main" xmlns:r="http://schemas.openxmlformats.org/officeDocument/2006/relationships" xmlns:p="http://schemas.openxmlformats.org/presentationml/2006/main">
   <p:cSld>
     <p:bg>
-      <p:bgRef idx="1001">
-        <a:schemeClr val="bg1"/>
-      </p:bgRef>
+      <p:bgPr>
+        <a:gradFill flip="none" rotWithShape="1">
+          <a:gsLst>
+            <a:gs pos="0">
+              <a:schemeClr val="accent1">
+                <a:lumMod val="5000"/>
+                <a:lumOff val="95000"/>
+              </a:schemeClr>
+            </a:gs>
+            <a:gs pos="74000">
+              <a:schemeClr val="accent1">
+                <a:lumMod val="45000"/>
+                <a:lumOff val="55000"/>
+              </a:schemeClr>
+            </a:gs>
+            <a:gs pos="83000">
+              <a:schemeClr val="accent1">
+                <a:lumMod val="45000"/>
+                <a:lumOff val="55000"/>
+              </a:schemeClr>
+            </a:gs>
+            <a:gs pos="100000">
+              <a:schemeClr val="accent1">
+                <a:lumMod val="30000"/>
+                <a:lumOff val="70000"/>
+              </a:schemeClr>
+            </a:gs>
+          </a:gsLst>
+          <a:lin ang="5400000" scaled="1"/>
+          <a:tileRect/>
+        </a:gradFill>
+        <a:effectLst/>
+      </p:bgPr>
     </p:bg>
     <p:spTree>
       <p:nvGrpSpPr>

--- a/PastaDocumentos/Pitch Projeto.pptx
+++ b/PastaDocumentos/Pitch Projeto.pptx
@@ -2745,39 +2745,9 @@
 <p:sldMaster xmlns:a="http://schemas.openxmlformats.org/drawingml/2006/main" xmlns:r="http://schemas.openxmlformats.org/officeDocument/2006/relationships" xmlns:p="http://schemas.openxmlformats.org/presentationml/2006/main">
   <p:cSld>
     <p:bg>
-      <p:bgPr>
-        <a:gradFill flip="none" rotWithShape="1">
-          <a:gsLst>
-            <a:gs pos="0">
-              <a:schemeClr val="accent1">
-                <a:lumMod val="5000"/>
-                <a:lumOff val="95000"/>
-              </a:schemeClr>
-            </a:gs>
-            <a:gs pos="74000">
-              <a:schemeClr val="accent1">
-                <a:lumMod val="45000"/>
-                <a:lumOff val="55000"/>
-              </a:schemeClr>
-            </a:gs>
-            <a:gs pos="83000">
-              <a:schemeClr val="accent1">
-                <a:lumMod val="45000"/>
-                <a:lumOff val="55000"/>
-              </a:schemeClr>
-            </a:gs>
-            <a:gs pos="100000">
-              <a:schemeClr val="accent1">
-                <a:lumMod val="30000"/>
-                <a:lumOff val="70000"/>
-              </a:schemeClr>
-            </a:gs>
-          </a:gsLst>
-          <a:lin ang="5400000" scaled="1"/>
-          <a:tileRect/>
-        </a:gradFill>
-        <a:effectLst/>
-      </p:bgPr>
+      <p:bgRef idx="1001">
+        <a:schemeClr val="bg1"/>
+      </p:bgRef>
     </p:bg>
     <p:spTree>
       <p:nvGrpSpPr>
@@ -3408,6 +3378,55 @@
             <a:r>
               <a:rPr lang="pt-BR" dirty="0"/>
               <a:t>Projeto exemplo GIT – 2SIPF</a:t>
+            </a:r>
+          </a:p>
+        </p:txBody>
+      </p:sp>
+      <p:sp>
+        <p:nvSpPr>
+          <p:cNvPr id="4" name="Elipse 3">
+            <a:extLst>
+              <a:ext uri="{FF2B5EF4-FFF2-40B4-BE49-F238E27FC236}">
+                <a16:creationId xmlns:a16="http://schemas.microsoft.com/office/drawing/2014/main" id="{45532BA8-E368-6E00-557F-0C4C112EAD00}"/>
+              </a:ext>
+            </a:extLst>
+          </p:cNvPr>
+          <p:cNvSpPr/>
+          <p:nvPr/>
+        </p:nvSpPr>
+        <p:spPr>
+          <a:xfrm>
+            <a:off x="9340948" y="717452"/>
+            <a:ext cx="2180492" cy="2067951"/>
+          </a:xfrm>
+          <a:prstGeom prst="ellipse">
+            <a:avLst/>
+          </a:prstGeom>
+        </p:spPr>
+        <p:style>
+          <a:lnRef idx="2">
+            <a:schemeClr val="accent1">
+              <a:shade val="15000"/>
+            </a:schemeClr>
+          </a:lnRef>
+          <a:fillRef idx="1">
+            <a:schemeClr val="accent1"/>
+          </a:fillRef>
+          <a:effectRef idx="0">
+            <a:schemeClr val="accent1"/>
+          </a:effectRef>
+          <a:fontRef idx="minor">
+            <a:schemeClr val="lt1"/>
+          </a:fontRef>
+        </p:style>
+        <p:txBody>
+          <a:bodyPr rtlCol="0" anchor="ctr"/>
+          <a:lstStyle/>
+          <a:p>
+            <a:pPr algn="ctr"/>
+            <a:r>
+              <a:rPr lang="pt-BR" dirty="0"/>
+              <a:t>logo</a:t>
             </a:r>
           </a:p>
         </p:txBody>
